--- a/GPS/gps.pptx
+++ b/GPS/gps.pptx
@@ -5,16 +5,18 @@
     <p:sldMasterId id="2147483648" r:id="rId1"/>
   </p:sldMasterIdLst>
   <p:notesMasterIdLst>
-    <p:notesMasterId r:id="rId6"/>
+    <p:notesMasterId r:id="rId8"/>
   </p:notesMasterIdLst>
   <p:handoutMasterIdLst>
-    <p:handoutMasterId r:id="rId7"/>
+    <p:handoutMasterId r:id="rId9"/>
   </p:handoutMasterIdLst>
   <p:sldIdLst>
     <p:sldId id="258" r:id="rId2"/>
     <p:sldId id="259" r:id="rId3"/>
     <p:sldId id="260" r:id="rId4"/>
     <p:sldId id="262" r:id="rId5"/>
+    <p:sldId id="263" r:id="rId6"/>
+    <p:sldId id="264" r:id="rId7"/>
   </p:sldIdLst>
   <p:sldSz cx="9144000" cy="6858000" type="screen4x3"/>
   <p:notesSz cx="6858000" cy="9296400"/>
@@ -309,7 +311,7 @@
               <a:pPr>
                 <a:defRPr/>
               </a:pPr>
-              <a:t>11/27/15</a:t>
+              <a:t>12/1/15</a:t>
             </a:fld>
             <a:endParaRPr lang="en-US"/>
           </a:p>
@@ -521,7 +523,7 @@
               <a:pPr>
                 <a:defRPr/>
               </a:pPr>
-              <a:t>11/27/15</a:t>
+              <a:t>12/1/15</a:t>
             </a:fld>
             <a:endParaRPr lang="en-US"/>
           </a:p>
@@ -3255,6 +3257,467 @@
     <p:extLst>
       <p:ext uri="{BB962C8B-B14F-4D97-AF65-F5344CB8AC3E}">
         <p14:creationId xmlns:p14="http://schemas.microsoft.com/office/powerpoint/2010/main" val="1223942617"/>
+      </p:ext>
+    </p:extLst>
+  </p:cSld>
+  <p:clrMapOvr>
+    <a:masterClrMapping/>
+  </p:clrMapOvr>
+</p:sld>
+</file>
+
+<file path=ppt/slides/slide5.xml><?xml version="1.0" encoding="utf-8"?>
+<p:sld xmlns:a="http://schemas.openxmlformats.org/drawingml/2006/main" xmlns:r="http://schemas.openxmlformats.org/officeDocument/2006/relationships" xmlns:p="http://schemas.openxmlformats.org/presentationml/2006/main">
+  <p:cSld>
+    <p:spTree>
+      <p:nvGrpSpPr>
+        <p:cNvPr id="1" name=""/>
+        <p:cNvGrpSpPr/>
+        <p:nvPr/>
+      </p:nvGrpSpPr>
+      <p:grpSpPr>
+        <a:xfrm>
+          <a:off x="0" y="0"/>
+          <a:ext cx="0" cy="0"/>
+          <a:chOff x="0" y="0"/>
+          <a:chExt cx="0" cy="0"/>
+        </a:xfrm>
+      </p:grpSpPr>
+      <p:sp>
+        <p:nvSpPr>
+          <p:cNvPr id="2" name="Title 1"/>
+          <p:cNvSpPr>
+            <a:spLocks noGrp="1"/>
+          </p:cNvSpPr>
+          <p:nvPr>
+            <p:ph type="title"/>
+          </p:nvPr>
+        </p:nvSpPr>
+        <p:spPr/>
+        <p:txBody>
+          <a:bodyPr/>
+          <a:lstStyle/>
+          <a:p>
+            <a:r>
+              <a:rPr lang="en-US" dirty="0" smtClean="0"/>
+              <a:t>Activity: Add GPS</a:t>
+            </a:r>
+            <a:endParaRPr lang="en-US" dirty="0"/>
+          </a:p>
+        </p:txBody>
+      </p:sp>
+      <p:sp>
+        <p:nvSpPr>
+          <p:cNvPr id="3" name="Content Placeholder 2"/>
+          <p:cNvSpPr>
+            <a:spLocks noGrp="1"/>
+          </p:cNvSpPr>
+          <p:nvPr>
+            <p:ph idx="1"/>
+          </p:nvPr>
+        </p:nvSpPr>
+        <p:spPr>
+          <a:xfrm>
+            <a:off x="457200" y="990600"/>
+            <a:ext cx="8229600" cy="1147689"/>
+          </a:xfrm>
+        </p:spPr>
+        <p:txBody>
+          <a:bodyPr/>
+          <a:lstStyle/>
+          <a:p>
+            <a:r>
+              <a:rPr lang="en-US" dirty="0" smtClean="0"/>
+              <a:t>Add auto GPS capture to all your forms and then check it out in </a:t>
+            </a:r>
+            <a:r>
+              <a:rPr lang="en-US" smtClean="0"/>
+              <a:t>the Submission History!</a:t>
+            </a:r>
+            <a:endParaRPr lang="en-US" dirty="0"/>
+          </a:p>
+        </p:txBody>
+      </p:sp>
+    </p:spTree>
+    <p:extLst>
+      <p:ext uri="{BB962C8B-B14F-4D97-AF65-F5344CB8AC3E}">
+        <p14:creationId xmlns:p14="http://schemas.microsoft.com/office/powerpoint/2010/main" val="811941358"/>
+      </p:ext>
+    </p:extLst>
+  </p:cSld>
+  <p:clrMapOvr>
+    <a:masterClrMapping/>
+  </p:clrMapOvr>
+</p:sld>
+</file>
+
+<file path=ppt/slides/slide6.xml><?xml version="1.0" encoding="utf-8"?>
+<p:sld xmlns:a="http://schemas.openxmlformats.org/drawingml/2006/main" xmlns:r="http://schemas.openxmlformats.org/officeDocument/2006/relationships" xmlns:p="http://schemas.openxmlformats.org/presentationml/2006/main">
+  <p:cSld>
+    <p:spTree>
+      <p:nvGrpSpPr>
+        <p:cNvPr id="1" name=""/>
+        <p:cNvGrpSpPr/>
+        <p:nvPr/>
+      </p:nvGrpSpPr>
+      <p:grpSpPr>
+        <a:xfrm>
+          <a:off x="0" y="0"/>
+          <a:ext cx="0" cy="0"/>
+          <a:chOff x="0" y="0"/>
+          <a:chExt cx="0" cy="0"/>
+        </a:xfrm>
+      </p:grpSpPr>
+      <p:sp>
+        <p:nvSpPr>
+          <p:cNvPr id="2" name="Title 1"/>
+          <p:cNvSpPr>
+            <a:spLocks noGrp="1"/>
+          </p:cNvSpPr>
+          <p:nvPr>
+            <p:ph type="title"/>
+          </p:nvPr>
+        </p:nvSpPr>
+        <p:spPr>
+          <a:xfrm>
+            <a:off x="457200" y="228600"/>
+            <a:ext cx="8686800" cy="457200"/>
+          </a:xfrm>
+        </p:spPr>
+        <p:txBody>
+          <a:bodyPr/>
+          <a:lstStyle/>
+          <a:p>
+            <a:r>
+              <a:rPr lang="en-US" dirty="0" smtClean="0">
+                <a:solidFill>
+                  <a:srgbClr val="FF0000"/>
+                </a:solidFill>
+              </a:rPr>
+              <a:t>Challenge </a:t>
+            </a:r>
+            <a:r>
+              <a:rPr lang="en-US" dirty="0" smtClean="0"/>
+              <a:t>Activity</a:t>
+            </a:r>
+            <a:r>
+              <a:rPr lang="en-US" smtClean="0"/>
+              <a:t>: Distance between forms</a:t>
+            </a:r>
+            <a:endParaRPr lang="en-US">
+              <a:solidFill>
+                <a:srgbClr val="FF0000"/>
+              </a:solidFill>
+            </a:endParaRPr>
+          </a:p>
+        </p:txBody>
+      </p:sp>
+      <p:sp>
+        <p:nvSpPr>
+          <p:cNvPr id="3" name="Content Placeholder 2"/>
+          <p:cNvSpPr>
+            <a:spLocks noGrp="1"/>
+          </p:cNvSpPr>
+          <p:nvPr>
+            <p:ph idx="1"/>
+          </p:nvPr>
+        </p:nvSpPr>
+        <p:spPr/>
+        <p:txBody>
+          <a:bodyPr/>
+          <a:lstStyle/>
+          <a:p>
+            <a:r>
+              <a:rPr lang="en-US" dirty="0" smtClean="0"/>
+              <a:t>Calculate the distance between forms and display it as a label. Useful calculations:</a:t>
+            </a:r>
+          </a:p>
+          <a:p>
+            <a:r>
+              <a:rPr lang="en-US" sz="1400" b="1" dirty="0" err="1"/>
+              <a:t>latitude_now</a:t>
+            </a:r>
+            <a:r>
+              <a:rPr lang="en-US" sz="1400" b="1" dirty="0"/>
+              <a:t>: </a:t>
+            </a:r>
+            <a:r>
+              <a:rPr lang="en-US" sz="1400" dirty="0"/>
+              <a:t>if(/data/meta/location, selected-at(/data/meta/location,0), '')</a:t>
+            </a:r>
+          </a:p>
+          <a:p>
+            <a:r>
+              <a:rPr lang="en-US" sz="1400" b="1" dirty="0" err="1"/>
+              <a:t>longitude_now</a:t>
+            </a:r>
+            <a:r>
+              <a:rPr lang="en-US" sz="1400" b="1" dirty="0"/>
+              <a:t>: </a:t>
+            </a:r>
+            <a:r>
+              <a:rPr lang="en-US" sz="1400" dirty="0"/>
+              <a:t>if(/data/meta/location, selected-at(/data/meta/location,1), '')</a:t>
+            </a:r>
+          </a:p>
+          <a:p>
+            <a:r>
+              <a:rPr lang="en-US" sz="1400" b="1" dirty="0" err="1"/>
+              <a:t>latitude_reference</a:t>
+            </a:r>
+            <a:r>
+              <a:rPr lang="en-US" sz="1400" b="1" dirty="0"/>
+              <a:t>: </a:t>
+            </a:r>
+            <a:r>
+              <a:rPr lang="en-US" sz="1400" dirty="0"/>
+              <a:t>-&gt; </a:t>
+            </a:r>
+            <a:r>
+              <a:rPr lang="en-US" sz="1400" i="1" dirty="0"/>
+              <a:t>loaded from case property</a:t>
+            </a:r>
+            <a:endParaRPr lang="en-US" sz="1400" dirty="0"/>
+          </a:p>
+          <a:p>
+            <a:r>
+              <a:rPr lang="en-US" sz="1400" b="1" dirty="0" err="1"/>
+              <a:t>longitude_reference</a:t>
+            </a:r>
+            <a:r>
+              <a:rPr lang="en-US" sz="1400" b="1" dirty="0"/>
+              <a:t>: </a:t>
+            </a:r>
+            <a:r>
+              <a:rPr lang="en-US" sz="1400" dirty="0"/>
+              <a:t>-&gt; </a:t>
+            </a:r>
+            <a:r>
+              <a:rPr lang="en-US" sz="1400" i="1" dirty="0"/>
+              <a:t>loaded from case property</a:t>
+            </a:r>
+            <a:endParaRPr lang="en-US" sz="1400" dirty="0"/>
+          </a:p>
+          <a:p>
+            <a:r>
+              <a:rPr lang="en-US" sz="1400" b="1" dirty="0" err="1"/>
+              <a:t>valid_gps</a:t>
+            </a:r>
+            <a:r>
+              <a:rPr lang="en-US" sz="1400" b="1" dirty="0"/>
+              <a:t>: </a:t>
+            </a:r>
+            <a:r>
+              <a:rPr lang="en-US" sz="1400" dirty="0"/>
+              <a:t>/data/meta/location != ''</a:t>
+            </a:r>
+          </a:p>
+          <a:p>
+            <a:r>
+              <a:rPr lang="en-US" sz="1400" b="1" dirty="0" err="1"/>
+              <a:t>latitude_delta</a:t>
+            </a:r>
+            <a:r>
+              <a:rPr lang="en-US" sz="1400" b="1" dirty="0"/>
+              <a:t>: </a:t>
+            </a:r>
+            <a:r>
+              <a:rPr lang="en-US" sz="1400" dirty="0"/>
+              <a:t>if(/data/</a:t>
+            </a:r>
+            <a:r>
+              <a:rPr lang="en-US" sz="1400" dirty="0" err="1"/>
+              <a:t>valid_gps</a:t>
+            </a:r>
+            <a:r>
+              <a:rPr lang="en-US" sz="1400" dirty="0"/>
+              <a:t>='1', if (/data/</a:t>
+            </a:r>
+            <a:r>
+              <a:rPr lang="en-US" sz="1400" dirty="0" err="1"/>
+              <a:t>latitude_reference</a:t>
+            </a:r>
+            <a:r>
+              <a:rPr lang="en-US" sz="1400" dirty="0"/>
+              <a:t>, double(/data/</a:t>
+            </a:r>
+            <a:r>
+              <a:rPr lang="en-US" sz="1400" dirty="0" err="1"/>
+              <a:t>latitude_reference</a:t>
+            </a:r>
+            <a:r>
+              <a:rPr lang="en-US" sz="1400" dirty="0"/>
+              <a:t>) - double(/data/</a:t>
+            </a:r>
+            <a:r>
+              <a:rPr lang="en-US" sz="1400" dirty="0" err="1"/>
+              <a:t>latitude_now</a:t>
+            </a:r>
+            <a:r>
+              <a:rPr lang="en-US" sz="1400" dirty="0"/>
+              <a:t>), 100), '')</a:t>
+            </a:r>
+          </a:p>
+          <a:p>
+            <a:r>
+              <a:rPr lang="en-US" sz="1400" b="1" dirty="0" err="1"/>
+              <a:t>longitude_delta</a:t>
+            </a:r>
+            <a:r>
+              <a:rPr lang="en-US" sz="1400" b="1" dirty="0"/>
+              <a:t>: </a:t>
+            </a:r>
+            <a:r>
+              <a:rPr lang="en-US" sz="1400" dirty="0"/>
+              <a:t>if(/data/</a:t>
+            </a:r>
+            <a:r>
+              <a:rPr lang="en-US" sz="1400" dirty="0" err="1"/>
+              <a:t>valid_gps</a:t>
+            </a:r>
+            <a:r>
+              <a:rPr lang="en-US" sz="1400" dirty="0"/>
+              <a:t>='1', if(/data/</a:t>
+            </a:r>
+            <a:r>
+              <a:rPr lang="en-US" sz="1400" dirty="0" err="1"/>
+              <a:t>longitude_reference</a:t>
+            </a:r>
+            <a:r>
+              <a:rPr lang="en-US" sz="1400" dirty="0"/>
+              <a:t>, double(/data/</a:t>
+            </a:r>
+            <a:r>
+              <a:rPr lang="en-US" sz="1400" dirty="0" err="1"/>
+              <a:t>longitude_reference</a:t>
+            </a:r>
+            <a:r>
+              <a:rPr lang="en-US" sz="1400" dirty="0"/>
+              <a:t>) - double(/data/</a:t>
+            </a:r>
+            <a:r>
+              <a:rPr lang="en-US" sz="1400" dirty="0" err="1"/>
+              <a:t>longitude_now</a:t>
+            </a:r>
+            <a:r>
+              <a:rPr lang="en-US" sz="1400" dirty="0"/>
+              <a:t>), 100), '')</a:t>
+            </a:r>
+          </a:p>
+          <a:p>
+            <a:r>
+              <a:rPr lang="en-US" sz="1400" b="1" dirty="0" err="1"/>
+              <a:t>location_distance_degrees</a:t>
+            </a:r>
+            <a:r>
+              <a:rPr lang="en-US" sz="1400" b="1" dirty="0"/>
+              <a:t>:</a:t>
+            </a:r>
+            <a:r>
+              <a:rPr lang="en-US" sz="1400" dirty="0"/>
+              <a:t> if(/data/</a:t>
+            </a:r>
+            <a:r>
+              <a:rPr lang="en-US" sz="1400" dirty="0" err="1"/>
+              <a:t>valid_gps</a:t>
+            </a:r>
+            <a:r>
+              <a:rPr lang="en-US" sz="1400" dirty="0"/>
+              <a:t>='1', pow(/data/</a:t>
+            </a:r>
+            <a:r>
+              <a:rPr lang="en-US" sz="1400" dirty="0" err="1"/>
+              <a:t>latitude_delta</a:t>
+            </a:r>
+            <a:r>
+              <a:rPr lang="en-US" sz="1400" dirty="0"/>
+              <a:t> * /data/</a:t>
+            </a:r>
+            <a:r>
+              <a:rPr lang="en-US" sz="1400" dirty="0" err="1"/>
+              <a:t>latitude_delta</a:t>
+            </a:r>
+            <a:r>
+              <a:rPr lang="en-US" sz="1400" dirty="0"/>
+              <a:t> + /data/</a:t>
+            </a:r>
+            <a:r>
+              <a:rPr lang="en-US" sz="1400" dirty="0" err="1"/>
+              <a:t>longitude_delta</a:t>
+            </a:r>
+            <a:r>
+              <a:rPr lang="en-US" sz="1400" dirty="0"/>
+              <a:t> * /data/</a:t>
+            </a:r>
+            <a:r>
+              <a:rPr lang="en-US" sz="1400" dirty="0" err="1"/>
+              <a:t>longitude_delta</a:t>
+            </a:r>
+            <a:r>
+              <a:rPr lang="en-US" sz="1400" dirty="0"/>
+              <a:t> , 0.5), '')</a:t>
+            </a:r>
+          </a:p>
+          <a:p>
+            <a:r>
+              <a:rPr lang="en-US" sz="1400" b="1" dirty="0" err="1"/>
+              <a:t>location_distance:</a:t>
+            </a:r>
+            <a:r>
+              <a:rPr lang="en-US" sz="1400" dirty="0" err="1"/>
+              <a:t>if</a:t>
+            </a:r>
+            <a:r>
+              <a:rPr lang="en-US" sz="1400" dirty="0"/>
+              <a:t>(/data/</a:t>
+            </a:r>
+            <a:r>
+              <a:rPr lang="en-US" sz="1400" dirty="0" err="1"/>
+              <a:t>valid_gps</a:t>
+            </a:r>
+            <a:r>
+              <a:rPr lang="en-US" sz="1400" dirty="0"/>
+              <a:t>='1',/data/</a:t>
+            </a:r>
+            <a:r>
+              <a:rPr lang="en-US" sz="1400" dirty="0" err="1"/>
+              <a:t>location_distance_degrees</a:t>
+            </a:r>
+            <a:r>
+              <a:rPr lang="en-US" sz="1400" dirty="0"/>
+              <a:t> * 40075 div 360, '')</a:t>
+            </a:r>
+          </a:p>
+          <a:p>
+            <a:pPr marL="0" indent="0">
+              <a:buNone/>
+            </a:pPr>
+            <a:endParaRPr lang="en-US" dirty="0" smtClean="0"/>
+          </a:p>
+          <a:p>
+            <a:pPr marL="0" indent="0">
+              <a:buNone/>
+            </a:pPr>
+            <a:r>
+              <a:rPr lang="en-US" dirty="0"/>
+              <a:t>Docs: http://</a:t>
+            </a:r>
+            <a:r>
+              <a:rPr lang="en-US" dirty="0" err="1"/>
+              <a:t>bit.ly</a:t>
+            </a:r>
+            <a:r>
+              <a:rPr lang="en-US"/>
+              <a:t>/1jw8cW9</a:t>
+            </a:r>
+            <a:endParaRPr lang="en-US" dirty="0"/>
+          </a:p>
+        </p:txBody>
+      </p:sp>
+    </p:spTree>
+    <p:extLst>
+      <p:ext uri="{BB962C8B-B14F-4D97-AF65-F5344CB8AC3E}">
+        <p14:creationId xmlns:p14="http://schemas.microsoft.com/office/powerpoint/2010/main" val="1384236875"/>
       </p:ext>
     </p:extLst>
   </p:cSld>
